--- a/Presentation/visual-studio.pptx
+++ b/Presentation/visual-studio.pptx
@@ -5,15 +5,17 @@
     <p:sldMasterId id="2147483648" r:id="rId1"/>
   </p:sldMasterIdLst>
   <p:notesMasterIdLst>
-    <p:notesMasterId r:id="rId8"/>
+    <p:notesMasterId r:id="rId10"/>
   </p:notesMasterIdLst>
   <p:sldIdLst>
     <p:sldId id="257" r:id="rId2"/>
     <p:sldId id="259" r:id="rId3"/>
-    <p:sldId id="262" r:id="rId4"/>
-    <p:sldId id="260" r:id="rId5"/>
-    <p:sldId id="261" r:id="rId6"/>
-    <p:sldId id="258" r:id="rId7"/>
+    <p:sldId id="264" r:id="rId4"/>
+    <p:sldId id="263" r:id="rId5"/>
+    <p:sldId id="262" r:id="rId6"/>
+    <p:sldId id="260" r:id="rId7"/>
+    <p:sldId id="261" r:id="rId8"/>
+    <p:sldId id="258" r:id="rId9"/>
   </p:sldIdLst>
   <p:sldSz cx="9144000" cy="6858000" type="screen4x3"/>
   <p:notesSz cx="6858000" cy="9144000"/>
@@ -197,7 +199,7 @@
           <a:p>
             <a:fld id="{B24A7054-7FFB-49F4-A126-5DF6E687FF53}" type="datetimeFigureOut">
               <a:rPr lang="ru-RU" smtClean="0"/>
-              <a:t>17.11.2012</a:t>
+              <a:t>05.01.2013</a:t>
             </a:fld>
             <a:endParaRPr lang="ru-RU"/>
           </a:p>
@@ -1479,7 +1481,7 @@
           <a:p>
             <a:fld id="{8E6E6A2A-E9D3-4A0D-B04A-ABDD367A1E08}" type="datetimeFigureOut">
               <a:rPr lang="ru-RU" smtClean="0"/>
-              <a:t>17.11.2012</a:t>
+              <a:t>05.01.2013</a:t>
             </a:fld>
             <a:endParaRPr lang="ru-RU"/>
           </a:p>
@@ -2924,7 +2926,7 @@
           <a:p>
             <a:fld id="{AC3D3127-B7C4-45E3-9797-C527EC9FDD78}" type="datetimeFigureOut">
               <a:rPr lang="ru-RU" smtClean="0"/>
-              <a:t>17.11.2012</a:t>
+              <a:t>05.01.2013</a:t>
             </a:fld>
             <a:endParaRPr lang="ru-RU"/>
           </a:p>
@@ -3428,7 +3430,7 @@
         <p:spPr>
           <a:xfrm>
             <a:off x="143508" y="2528900"/>
-            <a:ext cx="8856984" cy="461665"/>
+            <a:ext cx="8856984" cy="830997"/>
           </a:xfrm>
           <a:prstGeom prst="rect">
             <a:avLst/>
@@ -3448,15 +3450,26 @@
                   <a:schemeClr val="bg1"/>
                 </a:solidFill>
               </a:rPr>
-              <a:t>Введение в </a:t>
-            </a:r>
+              <a:t>Интегрированная среда разработки</a:t>
+            </a:r>
+          </a:p>
+          <a:p>
+            <a:pPr algn="ctr"/>
             <a:r>
               <a:rPr lang="en-US" sz="2400" dirty="0" smtClean="0">
                 <a:solidFill>
                   <a:schemeClr val="bg1"/>
                 </a:solidFill>
               </a:rPr>
-              <a:t>Microsoft Visual Studio</a:t>
+              <a:t>Microsoft </a:t>
+            </a:r>
+            <a:r>
+              <a:rPr lang="en-US" sz="2400" dirty="0" smtClean="0">
+                <a:solidFill>
+                  <a:schemeClr val="bg1"/>
+                </a:solidFill>
+              </a:rPr>
+              <a:t>Visual Studio</a:t>
             </a:r>
             <a:endParaRPr lang="en-US" sz="2400" dirty="0">
               <a:solidFill>
@@ -3596,7 +3609,7 @@
           <a:p>
             <a:r>
               <a:rPr lang="ru-RU" dirty="0" smtClean="0"/>
-              <a:t>Редактор</a:t>
+              <a:t>Условные обозначения</a:t>
             </a:r>
             <a:endParaRPr lang="en-US" dirty="0"/>
           </a:p>
@@ -3614,9 +3627,170 @@
         </p:nvSpPr>
         <p:spPr/>
         <p:txBody>
-          <a:bodyPr/>
+          <a:bodyPr>
+            <a:normAutofit lnSpcReduction="10000"/>
+          </a:bodyPr>
           <a:lstStyle/>
           <a:p>
+            <a:pPr marL="0" indent="0">
+              <a:buNone/>
+            </a:pPr>
+            <a:r>
+              <a:rPr lang="ru-RU" dirty="0" smtClean="0"/>
+              <a:t>Версия </a:t>
+            </a:r>
+            <a:r>
+              <a:rPr lang="en-US" dirty="0" smtClean="0"/>
+              <a:t>Visual Studio </a:t>
+            </a:r>
+            <a:r>
+              <a:rPr lang="ru-RU" dirty="0" smtClean="0"/>
+              <a:t>начиная с которой можно использовать указанные возможности указывается в квадратных скобках:</a:t>
+            </a:r>
+          </a:p>
+          <a:p>
+            <a:pPr lvl="1">
+              <a:buClr>
+                <a:schemeClr val="bg1"/>
+              </a:buClr>
+            </a:pPr>
+            <a:r>
+              <a:rPr lang="en-US" dirty="0" smtClean="0">
+                <a:solidFill>
+                  <a:srgbClr val="92D050"/>
+                </a:solidFill>
+              </a:rPr>
+              <a:t>[0</a:t>
+            </a:r>
+            <a:r>
+              <a:rPr lang="ru-RU" dirty="0" smtClean="0">
+                <a:solidFill>
+                  <a:srgbClr val="92D050"/>
+                </a:solidFill>
+              </a:rPr>
+              <a:t>5</a:t>
+            </a:r>
+            <a:r>
+              <a:rPr lang="en-US" dirty="0" smtClean="0">
+                <a:solidFill>
+                  <a:srgbClr val="92D050"/>
+                </a:solidFill>
+              </a:rPr>
+              <a:t>]</a:t>
+            </a:r>
+            <a:r>
+              <a:rPr lang="en-US" dirty="0" smtClean="0"/>
+              <a:t> </a:t>
+            </a:r>
+            <a:r>
+              <a:rPr lang="en-US" dirty="0"/>
+              <a:t>Visual Studio </a:t>
+            </a:r>
+            <a:r>
+              <a:rPr lang="en-US" dirty="0" smtClean="0"/>
+              <a:t>200</a:t>
+            </a:r>
+            <a:r>
+              <a:rPr lang="ru-RU" dirty="0" smtClean="0"/>
+              <a:t>5</a:t>
+            </a:r>
+            <a:endParaRPr lang="ru-RU" dirty="0" smtClean="0">
+              <a:solidFill>
+                <a:srgbClr val="92D050"/>
+              </a:solidFill>
+            </a:endParaRPr>
+          </a:p>
+          <a:p>
+            <a:pPr lvl="1">
+              <a:buClr>
+                <a:schemeClr val="bg1"/>
+              </a:buClr>
+            </a:pPr>
+            <a:r>
+              <a:rPr lang="en-US" dirty="0" smtClean="0">
+                <a:solidFill>
+                  <a:srgbClr val="92D050"/>
+                </a:solidFill>
+              </a:rPr>
+              <a:t>[10</a:t>
+            </a:r>
+            <a:r>
+              <a:rPr lang="en-US" dirty="0">
+                <a:solidFill>
+                  <a:srgbClr val="92D050"/>
+                </a:solidFill>
+              </a:rPr>
+              <a:t>]</a:t>
+            </a:r>
+            <a:r>
+              <a:rPr lang="en-US" dirty="0"/>
+              <a:t> </a:t>
+            </a:r>
+            <a:r>
+              <a:rPr lang="en-US" dirty="0" smtClean="0"/>
+              <a:t>Visual Studio 2010</a:t>
+            </a:r>
+          </a:p>
+          <a:p>
+            <a:pPr lvl="1">
+              <a:buClr>
+                <a:schemeClr val="bg1"/>
+              </a:buClr>
+            </a:pPr>
+            <a:r>
+              <a:rPr lang="en-US" dirty="0" smtClean="0">
+                <a:solidFill>
+                  <a:srgbClr val="92D050"/>
+                </a:solidFill>
+              </a:rPr>
+              <a:t>[</a:t>
+            </a:r>
+            <a:r>
+              <a:rPr lang="en-US" dirty="0">
+                <a:solidFill>
+                  <a:srgbClr val="92D050"/>
+                </a:solidFill>
+              </a:rPr>
+              <a:t>12]</a:t>
+            </a:r>
+            <a:r>
+              <a:rPr lang="en-US" dirty="0"/>
+              <a:t> Visual Studio </a:t>
+            </a:r>
+            <a:r>
+              <a:rPr lang="en-US" dirty="0" smtClean="0"/>
+              <a:t>2012</a:t>
+            </a:r>
+            <a:endParaRPr lang="ru-RU" dirty="0" smtClean="0"/>
+          </a:p>
+          <a:p>
+            <a:pPr marL="0" indent="0">
+              <a:buClr>
+                <a:schemeClr val="bg1"/>
+              </a:buClr>
+              <a:buNone/>
+            </a:pPr>
+            <a:endParaRPr lang="en-US" dirty="0" smtClean="0"/>
+          </a:p>
+          <a:p>
+            <a:pPr marL="0" indent="0">
+              <a:buClr>
+                <a:schemeClr val="bg1"/>
+              </a:buClr>
+              <a:buNone/>
+            </a:pPr>
+            <a:r>
+              <a:rPr lang="ru-RU" dirty="0" smtClean="0"/>
+              <a:t>Аналогично обозначаются версии </a:t>
+            </a:r>
+            <a:r>
+              <a:rPr lang="ru-RU" dirty="0" smtClean="0"/>
+              <a:t>ОС </a:t>
+            </a:r>
+            <a:r>
+              <a:rPr lang="en-US" dirty="0" smtClean="0"/>
+              <a:t>Windows</a:t>
+            </a:r>
             <a:endParaRPr lang="en-US" dirty="0"/>
           </a:p>
         </p:txBody>
@@ -3624,7 +3798,7 @@
     </p:spTree>
     <p:extLst>
       <p:ext uri="{BB962C8B-B14F-4D97-AF65-F5344CB8AC3E}">
-        <p14:creationId xmlns:p14="http://schemas.microsoft.com/office/powerpoint/2010/main" val="468185828"/>
+        <p14:creationId xmlns:p14="http://schemas.microsoft.com/office/powerpoint/2010/main" val="2311832295"/>
       </p:ext>
     </p:extLst>
   </p:cSld>
@@ -3663,12 +3837,18 @@
         </p:nvSpPr>
         <p:spPr/>
         <p:txBody>
-          <a:bodyPr/>
+          <a:bodyPr>
+            <a:normAutofit fontScale="90000"/>
+          </a:bodyPr>
           <a:lstStyle/>
           <a:p>
             <a:r>
               <a:rPr lang="ru-RU" dirty="0" smtClean="0"/>
-              <a:t>Отладчик</a:t>
+              <a:t>Клавиатурные комбинации </a:t>
+            </a:r>
+            <a:r>
+              <a:rPr lang="en-US" dirty="0" smtClean="0"/>
+              <a:t>Windows</a:t>
             </a:r>
             <a:endParaRPr lang="en-US" dirty="0"/>
           </a:p>
@@ -3686,17 +3866,240 @@
         </p:nvSpPr>
         <p:spPr/>
         <p:txBody>
-          <a:bodyPr/>
+          <a:bodyPr>
+            <a:normAutofit/>
+          </a:bodyPr>
           <a:lstStyle/>
           <a:p>
-            <a:endParaRPr lang="en-US" dirty="0"/>
+            <a:r>
+              <a:rPr lang="en-US" sz="2800" dirty="0" smtClean="0">
+                <a:solidFill>
+                  <a:srgbClr val="92D050"/>
+                </a:solidFill>
+              </a:rPr>
+              <a:t>[win 7,8]</a:t>
+            </a:r>
+            <a:r>
+              <a:rPr lang="en-US" sz="2800" dirty="0" smtClean="0"/>
+              <a:t> </a:t>
+            </a:r>
+            <a:r>
+              <a:rPr lang="ru-RU" sz="2800" dirty="0" smtClean="0"/>
+              <a:t>Панель задач</a:t>
+            </a:r>
+            <a:endParaRPr lang="en-US" sz="2800" dirty="0" smtClean="0"/>
+          </a:p>
+          <a:p>
+            <a:pPr lvl="1"/>
+            <a:r>
+              <a:rPr lang="ru-RU" sz="2400" dirty="0" smtClean="0"/>
+              <a:t>Пользуйтесь возможностью </a:t>
+            </a:r>
+            <a:r>
+              <a:rPr lang="en-US" sz="2400" dirty="0" smtClean="0"/>
+              <a:t>“pin to this list”</a:t>
+            </a:r>
+          </a:p>
+          <a:p>
+            <a:pPr lvl="1"/>
+            <a:r>
+              <a:rPr lang="en-US" sz="2400" dirty="0"/>
+              <a:t>Show Jump List </a:t>
+            </a:r>
+            <a:r>
+              <a:rPr lang="en-US" sz="2400" dirty="0">
+                <a:solidFill>
+                  <a:srgbClr val="F6AE1E"/>
+                </a:solidFill>
+              </a:rPr>
+              <a:t>(</a:t>
+            </a:r>
+            <a:r>
+              <a:rPr lang="en-US" sz="2400" dirty="0" err="1">
+                <a:solidFill>
+                  <a:srgbClr val="F6AE1E"/>
+                </a:solidFill>
+              </a:rPr>
+              <a:t>Win+Alt</a:t>
+            </a:r>
+            <a:r>
+              <a:rPr lang="en-US" sz="2400" dirty="0">
+                <a:solidFill>
+                  <a:srgbClr val="F6AE1E"/>
+                </a:solidFill>
+              </a:rPr>
+              <a:t> + n)</a:t>
+            </a:r>
+          </a:p>
+          <a:p>
+            <a:pPr lvl="1"/>
+            <a:r>
+              <a:rPr lang="en-US" sz="2400" dirty="0"/>
+              <a:t>Start new instance </a:t>
+            </a:r>
+            <a:r>
+              <a:rPr lang="en-US" sz="2400" dirty="0">
+                <a:solidFill>
+                  <a:srgbClr val="F6AE1E"/>
+                </a:solidFill>
+              </a:rPr>
+              <a:t>(</a:t>
+            </a:r>
+            <a:r>
+              <a:rPr lang="en-US" sz="2400" dirty="0" err="1">
+                <a:solidFill>
+                  <a:srgbClr val="F6AE1E"/>
+                </a:solidFill>
+              </a:rPr>
+              <a:t>Win+Shift</a:t>
+            </a:r>
+            <a:r>
+              <a:rPr lang="en-US" sz="2400" dirty="0">
+                <a:solidFill>
+                  <a:srgbClr val="F6AE1E"/>
+                </a:solidFill>
+              </a:rPr>
+              <a:t> + n)</a:t>
+            </a:r>
+          </a:p>
+          <a:p>
+            <a:pPr lvl="1"/>
+            <a:r>
+              <a:rPr lang="en-US" sz="2400" dirty="0"/>
+              <a:t>Start new instance as admin </a:t>
+            </a:r>
+            <a:r>
+              <a:rPr lang="en-US" sz="2400" dirty="0">
+                <a:solidFill>
+                  <a:srgbClr val="F6AE1E"/>
+                </a:solidFill>
+              </a:rPr>
+              <a:t>(</a:t>
+            </a:r>
+            <a:r>
+              <a:rPr lang="en-US" sz="2400" dirty="0" err="1">
+                <a:solidFill>
+                  <a:srgbClr val="F6AE1E"/>
+                </a:solidFill>
+              </a:rPr>
+              <a:t>Win+Shift+Ctrl</a:t>
+            </a:r>
+            <a:r>
+              <a:rPr lang="en-US" sz="2400" dirty="0">
+                <a:solidFill>
+                  <a:srgbClr val="F6AE1E"/>
+                </a:solidFill>
+              </a:rPr>
+              <a:t> + n)</a:t>
+            </a:r>
+          </a:p>
+          <a:p>
+            <a:pPr lvl="1"/>
+            <a:r>
+              <a:rPr lang="en-US" sz="2400" dirty="0"/>
+              <a:t>Toggle instances </a:t>
+            </a:r>
+            <a:r>
+              <a:rPr lang="en-US" sz="2400" dirty="0">
+                <a:solidFill>
+                  <a:srgbClr val="F6AE1E"/>
+                </a:solidFill>
+              </a:rPr>
+              <a:t>(Win + n)</a:t>
+            </a:r>
+          </a:p>
+          <a:p>
+            <a:pPr lvl="1"/>
+            <a:r>
+              <a:rPr lang="en-US" sz="2400" dirty="0"/>
+              <a:t>Toggle instances (without Aero Peek) </a:t>
+            </a:r>
+            <a:r>
+              <a:rPr lang="en-US" sz="2400" dirty="0">
+                <a:solidFill>
+                  <a:srgbClr val="F6AE1E"/>
+                </a:solidFill>
+              </a:rPr>
+              <a:t>(</a:t>
+            </a:r>
+            <a:r>
+              <a:rPr lang="en-US" sz="2400" dirty="0" err="1">
+                <a:solidFill>
+                  <a:srgbClr val="F6AE1E"/>
+                </a:solidFill>
+              </a:rPr>
+              <a:t>Win+Ctrl</a:t>
+            </a:r>
+            <a:r>
+              <a:rPr lang="en-US" sz="2400" dirty="0">
+                <a:solidFill>
+                  <a:srgbClr val="F6AE1E"/>
+                </a:solidFill>
+              </a:rPr>
+              <a:t> + n</a:t>
+            </a:r>
+            <a:r>
+              <a:rPr lang="en-US" sz="2400" dirty="0" smtClean="0">
+                <a:solidFill>
+                  <a:srgbClr val="F6AE1E"/>
+                </a:solidFill>
+              </a:rPr>
+              <a:t>)</a:t>
+            </a:r>
+          </a:p>
+          <a:p>
+            <a:r>
+              <a:rPr lang="en-US" dirty="0">
+                <a:solidFill>
+                  <a:srgbClr val="92D050"/>
+                </a:solidFill>
+              </a:rPr>
+              <a:t>[win 7,8]</a:t>
+            </a:r>
+            <a:r>
+              <a:rPr lang="en-US" dirty="0"/>
+              <a:t> </a:t>
+            </a:r>
+            <a:r>
+              <a:rPr lang="ru-RU" dirty="0" smtClean="0"/>
+              <a:t>Перемещение окон </a:t>
+            </a:r>
+            <a:r>
+              <a:rPr lang="ru-RU" dirty="0" smtClean="0">
+                <a:solidFill>
+                  <a:srgbClr val="F6AE1E"/>
+                </a:solidFill>
+              </a:rPr>
+              <a:t>(</a:t>
+            </a:r>
+            <a:r>
+              <a:rPr lang="en-US" dirty="0" smtClean="0">
+                <a:solidFill>
+                  <a:srgbClr val="F6AE1E"/>
+                </a:solidFill>
+              </a:rPr>
+              <a:t>Win + </a:t>
+            </a:r>
+            <a:r>
+              <a:rPr lang="ru-RU" dirty="0" smtClean="0">
+                <a:solidFill>
+                  <a:srgbClr val="F6AE1E"/>
+                </a:solidFill>
+              </a:rPr>
+              <a:t>курсорные клавиши)</a:t>
+            </a:r>
+            <a:endParaRPr lang="en-US" dirty="0">
+              <a:solidFill>
+                <a:srgbClr val="F6AE1E"/>
+              </a:solidFill>
+            </a:endParaRPr>
           </a:p>
         </p:txBody>
       </p:sp>
     </p:spTree>
     <p:extLst>
       <p:ext uri="{BB962C8B-B14F-4D97-AF65-F5344CB8AC3E}">
-        <p14:creationId xmlns:p14="http://schemas.microsoft.com/office/powerpoint/2010/main" val="1495295926"/>
+        <p14:creationId xmlns:p14="http://schemas.microsoft.com/office/powerpoint/2010/main" val="734954698"/>
       </p:ext>
     </p:extLst>
   </p:cSld>
@@ -3740,11 +4143,7 @@
           <a:p>
             <a:r>
               <a:rPr lang="ru-RU" dirty="0" smtClean="0"/>
-              <a:t>Расширения для </a:t>
-            </a:r>
-            <a:r>
-              <a:rPr lang="en-US" dirty="0" smtClean="0"/>
-              <a:t>VS</a:t>
+              <a:t>Редактор</a:t>
             </a:r>
             <a:endParaRPr lang="en-US" dirty="0"/>
           </a:p>
@@ -3762,7 +4161,444 @@
         </p:nvSpPr>
         <p:spPr/>
         <p:txBody>
+          <a:bodyPr>
+            <a:normAutofit lnSpcReduction="10000"/>
+          </a:bodyPr>
+          <a:lstStyle/>
+          <a:p>
+            <a:pPr>
+              <a:buClr>
+                <a:schemeClr val="bg1"/>
+              </a:buClr>
+            </a:pPr>
+            <a:r>
+              <a:rPr lang="en-US" dirty="0" smtClean="0">
+                <a:solidFill>
+                  <a:srgbClr val="92D050"/>
+                </a:solidFill>
+              </a:rPr>
+              <a:t>[10]</a:t>
+            </a:r>
+            <a:r>
+              <a:rPr lang="en-US" dirty="0" smtClean="0"/>
+              <a:t> </a:t>
+            </a:r>
+            <a:r>
+              <a:rPr lang="ru-RU" dirty="0" smtClean="0"/>
+              <a:t>Изменение размера шрифта </a:t>
+            </a:r>
+            <a:r>
+              <a:rPr lang="en-US" dirty="0">
+                <a:solidFill>
+                  <a:srgbClr val="F6AE1E"/>
+                </a:solidFill>
+              </a:rPr>
+              <a:t>(</a:t>
+            </a:r>
+            <a:r>
+              <a:rPr lang="en-US" dirty="0" err="1">
+                <a:solidFill>
+                  <a:srgbClr val="F6AE1E"/>
+                </a:solidFill>
+              </a:rPr>
+              <a:t>Ctrl+Shift</a:t>
+            </a:r>
+            <a:r>
+              <a:rPr lang="en-US" dirty="0">
+                <a:solidFill>
+                  <a:srgbClr val="F6AE1E"/>
+                </a:solidFill>
+              </a:rPr>
+              <a:t> + &lt;/&gt; </a:t>
+            </a:r>
+            <a:r>
+              <a:rPr lang="ru-RU" dirty="0" smtClean="0">
+                <a:solidFill>
+                  <a:schemeClr val="bg1"/>
+                </a:solidFill>
+              </a:rPr>
+              <a:t>или</a:t>
+            </a:r>
+            <a:r>
+              <a:rPr lang="en-US" dirty="0" smtClean="0">
+                <a:solidFill>
+                  <a:srgbClr val="F6AE1E"/>
+                </a:solidFill>
+              </a:rPr>
+              <a:t> </a:t>
+            </a:r>
+            <a:r>
+              <a:rPr lang="en-US" dirty="0">
+                <a:solidFill>
+                  <a:srgbClr val="F6AE1E"/>
+                </a:solidFill>
+              </a:rPr>
+              <a:t>Ctrl + Mouse Scroll</a:t>
+            </a:r>
+            <a:r>
+              <a:rPr lang="en-US" dirty="0" smtClean="0">
+                <a:solidFill>
+                  <a:srgbClr val="F6AE1E"/>
+                </a:solidFill>
+              </a:rPr>
+              <a:t>)</a:t>
+            </a:r>
+            <a:endParaRPr lang="ru-RU" dirty="0" smtClean="0">
+              <a:solidFill>
+                <a:srgbClr val="F6AE1E"/>
+              </a:solidFill>
+            </a:endParaRPr>
+          </a:p>
+          <a:p>
+            <a:pPr>
+              <a:buClr>
+                <a:schemeClr val="bg1"/>
+              </a:buClr>
+            </a:pPr>
+            <a:r>
+              <a:rPr lang="en-US" dirty="0">
+                <a:solidFill>
+                  <a:srgbClr val="92D050"/>
+                </a:solidFill>
+              </a:rPr>
+              <a:t>[10]</a:t>
+            </a:r>
+            <a:r>
+              <a:rPr lang="en-US" dirty="0" smtClean="0"/>
+              <a:t> </a:t>
+            </a:r>
+            <a:r>
+              <a:rPr lang="ru-RU" dirty="0" smtClean="0"/>
+              <a:t>Многострочное редактирование</a:t>
+            </a:r>
+            <a:r>
+              <a:rPr lang="en-US" dirty="0" smtClean="0"/>
+              <a:t> </a:t>
+            </a:r>
+            <a:r>
+              <a:rPr lang="en-US" dirty="0" smtClean="0">
+                <a:solidFill>
+                  <a:srgbClr val="F6AE1E"/>
+                </a:solidFill>
+              </a:rPr>
+              <a:t>(</a:t>
+            </a:r>
+            <a:r>
+              <a:rPr lang="en-US" dirty="0" err="1">
+                <a:solidFill>
+                  <a:srgbClr val="F6AE1E"/>
+                </a:solidFill>
+              </a:rPr>
+              <a:t>Alt+Shift</a:t>
+            </a:r>
+            <a:r>
+              <a:rPr lang="en-US" dirty="0">
+                <a:solidFill>
+                  <a:srgbClr val="F6AE1E"/>
+                </a:solidFill>
+              </a:rPr>
+              <a:t> + Up/Down</a:t>
+            </a:r>
+            <a:r>
+              <a:rPr lang="en-US" dirty="0"/>
+              <a:t> </a:t>
+            </a:r>
+            <a:r>
+              <a:rPr lang="ru-RU" dirty="0" smtClean="0"/>
+              <a:t>или</a:t>
+            </a:r>
+            <a:r>
+              <a:rPr lang="en-US" dirty="0" smtClean="0"/>
+              <a:t> </a:t>
+            </a:r>
+            <a:r>
+              <a:rPr lang="en-US" dirty="0">
+                <a:solidFill>
+                  <a:srgbClr val="F6AE1E"/>
+                </a:solidFill>
+              </a:rPr>
+              <a:t>Alt + Mouse Up/Down</a:t>
+            </a:r>
+            <a:r>
+              <a:rPr lang="en-US" dirty="0" smtClean="0">
+                <a:solidFill>
+                  <a:srgbClr val="F6AE1E"/>
+                </a:solidFill>
+              </a:rPr>
+              <a:t>)</a:t>
+            </a:r>
+            <a:endParaRPr lang="ru-RU" dirty="0" smtClean="0">
+              <a:solidFill>
+                <a:srgbClr val="F6AE1E"/>
+              </a:solidFill>
+            </a:endParaRPr>
+          </a:p>
+          <a:p>
+            <a:pPr>
+              <a:buClr>
+                <a:schemeClr val="bg1"/>
+              </a:buClr>
+            </a:pPr>
+            <a:r>
+              <a:rPr lang="en-US" dirty="0" smtClean="0">
+                <a:solidFill>
+                  <a:srgbClr val="92D050"/>
+                </a:solidFill>
+              </a:rPr>
+              <a:t>[0</a:t>
+            </a:r>
+            <a:r>
+              <a:rPr lang="ru-RU" dirty="0" smtClean="0">
+                <a:solidFill>
+                  <a:srgbClr val="92D050"/>
+                </a:solidFill>
+              </a:rPr>
+              <a:t>5</a:t>
+            </a:r>
+            <a:r>
+              <a:rPr lang="en-US" dirty="0" smtClean="0">
+                <a:solidFill>
+                  <a:srgbClr val="92D050"/>
+                </a:solidFill>
+              </a:rPr>
+              <a:t>]</a:t>
+            </a:r>
+            <a:r>
+              <a:rPr lang="en-US" dirty="0" smtClean="0"/>
+              <a:t> </a:t>
+            </a:r>
+            <a:r>
+              <a:rPr lang="ru-RU" dirty="0" smtClean="0"/>
+              <a:t>Вставка текста из ц</a:t>
+            </a:r>
+            <a:r>
+              <a:rPr lang="ru-RU" dirty="0" smtClean="0">
+                <a:solidFill>
+                  <a:schemeClr val="bg1"/>
+                </a:solidFill>
+              </a:rPr>
+              <a:t>иклического буфера обмена </a:t>
+            </a:r>
+            <a:r>
+              <a:rPr lang="en-US" dirty="0">
+                <a:solidFill>
+                  <a:srgbClr val="F6AE1E"/>
+                </a:solidFill>
+              </a:rPr>
+              <a:t>(</a:t>
+            </a:r>
+            <a:r>
+              <a:rPr lang="en-US" dirty="0" err="1">
+                <a:solidFill>
+                  <a:srgbClr val="F6AE1E"/>
+                </a:solidFill>
+              </a:rPr>
+              <a:t>Ctrl+Shift</a:t>
+            </a:r>
+            <a:r>
+              <a:rPr lang="en-US" dirty="0">
+                <a:solidFill>
+                  <a:srgbClr val="F6AE1E"/>
+                </a:solidFill>
+              </a:rPr>
+              <a:t> + V</a:t>
+            </a:r>
+            <a:r>
+              <a:rPr lang="en-US" dirty="0" smtClean="0">
+                <a:solidFill>
+                  <a:srgbClr val="F6AE1E"/>
+                </a:solidFill>
+              </a:rPr>
+              <a:t>)</a:t>
+            </a:r>
+            <a:endParaRPr lang="ru-RU" dirty="0" smtClean="0">
+              <a:solidFill>
+                <a:srgbClr val="F6AE1E"/>
+              </a:solidFill>
+            </a:endParaRPr>
+          </a:p>
+          <a:p>
+            <a:pPr>
+              <a:buClr>
+                <a:schemeClr val="bg1"/>
+              </a:buClr>
+            </a:pPr>
+            <a:r>
+              <a:rPr lang="ru-RU" smtClean="0">
+                <a:solidFill>
+                  <a:schemeClr val="bg1"/>
+                </a:solidFill>
+              </a:rPr>
+              <a:t>Прокрутка текста без изменения положения курсора</a:t>
+            </a:r>
+            <a:r>
+              <a:rPr lang="en-US" dirty="0" smtClean="0">
+                <a:solidFill>
+                  <a:schemeClr val="bg1"/>
+                </a:solidFill>
+              </a:rPr>
+              <a:t> </a:t>
+            </a:r>
+            <a:r>
+              <a:rPr lang="en-US" dirty="0">
+                <a:solidFill>
+                  <a:srgbClr val="F6AE1E"/>
+                </a:solidFill>
+              </a:rPr>
+              <a:t>(Ctrl + Up/Down Arrow)</a:t>
+            </a:r>
+            <a:endParaRPr lang="en-US" dirty="0">
+              <a:solidFill>
+                <a:srgbClr val="F6AE1E"/>
+              </a:solidFill>
+            </a:endParaRPr>
+          </a:p>
+        </p:txBody>
+      </p:sp>
+    </p:spTree>
+    <p:extLst>
+      <p:ext uri="{BB962C8B-B14F-4D97-AF65-F5344CB8AC3E}">
+        <p14:creationId xmlns:p14="http://schemas.microsoft.com/office/powerpoint/2010/main" val="468185828"/>
+      </p:ext>
+    </p:extLst>
+  </p:cSld>
+  <p:clrMapOvr>
+    <a:masterClrMapping/>
+  </p:clrMapOvr>
+</p:sld>
+</file>
+
+<file path=ppt/slides/slide6.xml><?xml version="1.0" encoding="utf-8"?>
+<p:sld xmlns:a="http://schemas.openxmlformats.org/drawingml/2006/main" xmlns:r="http://schemas.openxmlformats.org/officeDocument/2006/relationships" xmlns:p="http://schemas.openxmlformats.org/presentationml/2006/main">
+  <p:cSld>
+    <p:spTree>
+      <p:nvGrpSpPr>
+        <p:cNvPr id="1" name=""/>
+        <p:cNvGrpSpPr/>
+        <p:nvPr/>
+      </p:nvGrpSpPr>
+      <p:grpSpPr>
+        <a:xfrm>
+          <a:off x="0" y="0"/>
+          <a:ext cx="0" cy="0"/>
+          <a:chOff x="0" y="0"/>
+          <a:chExt cx="0" cy="0"/>
+        </a:xfrm>
+      </p:grpSpPr>
+      <p:sp>
+        <p:nvSpPr>
+          <p:cNvPr id="2" name="Title 1"/>
+          <p:cNvSpPr>
+            <a:spLocks noGrp="1"/>
+          </p:cNvSpPr>
+          <p:nvPr>
+            <p:ph type="title"/>
+          </p:nvPr>
+        </p:nvSpPr>
+        <p:spPr/>
+        <p:txBody>
           <a:bodyPr/>
+          <a:lstStyle/>
+          <a:p>
+            <a:r>
+              <a:rPr lang="ru-RU" dirty="0" smtClean="0"/>
+              <a:t>Отладчик</a:t>
+            </a:r>
+            <a:endParaRPr lang="en-US" dirty="0"/>
+          </a:p>
+        </p:txBody>
+      </p:sp>
+      <p:sp>
+        <p:nvSpPr>
+          <p:cNvPr id="3" name="Content Placeholder 2"/>
+          <p:cNvSpPr>
+            <a:spLocks noGrp="1"/>
+          </p:cNvSpPr>
+          <p:nvPr>
+            <p:ph idx="1"/>
+          </p:nvPr>
+        </p:nvSpPr>
+        <p:spPr/>
+        <p:txBody>
+          <a:bodyPr/>
+          <a:lstStyle/>
+          <a:p>
+            <a:endParaRPr lang="en-US" dirty="0"/>
+          </a:p>
+        </p:txBody>
+      </p:sp>
+    </p:spTree>
+    <p:extLst>
+      <p:ext uri="{BB962C8B-B14F-4D97-AF65-F5344CB8AC3E}">
+        <p14:creationId xmlns:p14="http://schemas.microsoft.com/office/powerpoint/2010/main" val="1495295926"/>
+      </p:ext>
+    </p:extLst>
+  </p:cSld>
+  <p:clrMapOvr>
+    <a:masterClrMapping/>
+  </p:clrMapOvr>
+</p:sld>
+</file>
+
+<file path=ppt/slides/slide7.xml><?xml version="1.0" encoding="utf-8"?>
+<p:sld xmlns:a="http://schemas.openxmlformats.org/drawingml/2006/main" xmlns:r="http://schemas.openxmlformats.org/officeDocument/2006/relationships" xmlns:p="http://schemas.openxmlformats.org/presentationml/2006/main">
+  <p:cSld>
+    <p:spTree>
+      <p:nvGrpSpPr>
+        <p:cNvPr id="1" name=""/>
+        <p:cNvGrpSpPr/>
+        <p:nvPr/>
+      </p:nvGrpSpPr>
+      <p:grpSpPr>
+        <a:xfrm>
+          <a:off x="0" y="0"/>
+          <a:ext cx="0" cy="0"/>
+          <a:chOff x="0" y="0"/>
+          <a:chExt cx="0" cy="0"/>
+        </a:xfrm>
+      </p:grpSpPr>
+      <p:sp>
+        <p:nvSpPr>
+          <p:cNvPr id="2" name="Title 1"/>
+          <p:cNvSpPr>
+            <a:spLocks noGrp="1"/>
+          </p:cNvSpPr>
+          <p:nvPr>
+            <p:ph type="title"/>
+          </p:nvPr>
+        </p:nvSpPr>
+        <p:spPr/>
+        <p:txBody>
+          <a:bodyPr/>
+          <a:lstStyle/>
+          <a:p>
+            <a:r>
+              <a:rPr lang="ru-RU" dirty="0" smtClean="0"/>
+              <a:t>Расширения для </a:t>
+            </a:r>
+            <a:r>
+              <a:rPr lang="en-US" dirty="0" smtClean="0"/>
+              <a:t>VS</a:t>
+            </a:r>
+            <a:endParaRPr lang="en-US" dirty="0"/>
+          </a:p>
+        </p:txBody>
+      </p:sp>
+      <p:sp>
+        <p:nvSpPr>
+          <p:cNvPr id="3" name="Content Placeholder 2"/>
+          <p:cNvSpPr>
+            <a:spLocks noGrp="1"/>
+          </p:cNvSpPr>
+          <p:nvPr>
+            <p:ph idx="1"/>
+          </p:nvPr>
+        </p:nvSpPr>
+        <p:spPr/>
+        <p:txBody>
+          <a:bodyPr>
+            <a:normAutofit fontScale="85000" lnSpcReduction="10000"/>
+          </a:bodyPr>
           <a:lstStyle/>
           <a:p>
             <a:r>
@@ -3844,7 +4680,42 @@
               </a:rPr>
               <a:t>visualstudiogallery.msdn.microsoft.com/3a96a4dc-ba9c-4589-92c5-640e07332afd</a:t>
             </a:r>
-            <a:endParaRPr lang="en-US" dirty="0" smtClean="0"/>
+            <a:endParaRPr lang="ru-RU" dirty="0" smtClean="0"/>
+          </a:p>
+          <a:p>
+            <a:r>
+              <a:rPr lang="ru-RU" dirty="0" smtClean="0"/>
+              <a:t>Безопасный режим</a:t>
+            </a:r>
+            <a:r>
+              <a:rPr lang="en-US" dirty="0" smtClean="0"/>
+              <a:t> (</a:t>
+            </a:r>
+            <a:r>
+              <a:rPr lang="ru-RU" dirty="0" smtClean="0"/>
+              <a:t>отключает все расширения</a:t>
+            </a:r>
+            <a:r>
+              <a:rPr lang="en-US" dirty="0" smtClean="0"/>
+              <a:t>)</a:t>
+            </a:r>
+            <a:endParaRPr lang="ru-RU" dirty="0" smtClean="0"/>
+          </a:p>
+          <a:p>
+            <a:pPr lvl="1"/>
+            <a:r>
+              <a:rPr lang="en-US" dirty="0" smtClean="0"/>
+              <a:t>Devenv.exe </a:t>
+            </a:r>
+            <a:r>
+              <a:rPr lang="en-US" dirty="0"/>
+              <a:t>/</a:t>
+            </a:r>
+            <a:r>
+              <a:rPr lang="en-US" dirty="0" err="1"/>
+              <a:t>SafeMode</a:t>
+            </a:r>
+            <a:endParaRPr lang="en-US" dirty="0"/>
           </a:p>
           <a:p>
             <a:pPr lvl="1"/>
@@ -3868,7 +4739,7 @@
 </p:sld>
 </file>
 
-<file path=ppt/slides/slide6.xml><?xml version="1.0" encoding="utf-8"?>
+<file path=ppt/slides/slide8.xml><?xml version="1.0" encoding="utf-8"?>
 <p:sld xmlns:a="http://schemas.openxmlformats.org/drawingml/2006/main" xmlns:r="http://schemas.openxmlformats.org/officeDocument/2006/relationships" xmlns:p="http://schemas.openxmlformats.org/presentationml/2006/main">
   <p:cSld>
     <p:spTree>

--- a/Presentation/visual-studio.pptx
+++ b/Presentation/visual-studio.pptx
@@ -5,7 +5,7 @@
     <p:sldMasterId id="2147483648" r:id="rId1"/>
   </p:sldMasterIdLst>
   <p:notesMasterIdLst>
-    <p:notesMasterId r:id="rId10"/>
+    <p:notesMasterId r:id="rId12"/>
   </p:notesMasterIdLst>
   <p:sldIdLst>
     <p:sldId id="257" r:id="rId2"/>
@@ -13,9 +13,11 @@
     <p:sldId id="264" r:id="rId4"/>
     <p:sldId id="263" r:id="rId5"/>
     <p:sldId id="262" r:id="rId6"/>
-    <p:sldId id="260" r:id="rId7"/>
-    <p:sldId id="261" r:id="rId8"/>
-    <p:sldId id="258" r:id="rId9"/>
+    <p:sldId id="265" r:id="rId7"/>
+    <p:sldId id="266" r:id="rId8"/>
+    <p:sldId id="260" r:id="rId9"/>
+    <p:sldId id="261" r:id="rId10"/>
+    <p:sldId id="258" r:id="rId11"/>
   </p:sldIdLst>
   <p:sldSz cx="9144000" cy="6858000" type="screen4x3"/>
   <p:notesSz cx="6858000" cy="9144000"/>
@@ -199,7 +201,7 @@
           <a:p>
             <a:fld id="{B24A7054-7FFB-49F4-A126-5DF6E687FF53}" type="datetimeFigureOut">
               <a:rPr lang="ru-RU" smtClean="0"/>
-              <a:t>05.01.2013</a:t>
+              <a:t>15.02.2013</a:t>
             </a:fld>
             <a:endParaRPr lang="ru-RU"/>
           </a:p>
@@ -1481,7 +1483,7 @@
           <a:p>
             <a:fld id="{8E6E6A2A-E9D3-4A0D-B04A-ABDD367A1E08}" type="datetimeFigureOut">
               <a:rPr lang="ru-RU" smtClean="0"/>
-              <a:t>05.01.2013</a:t>
+              <a:t>15.02.2013</a:t>
             </a:fld>
             <a:endParaRPr lang="ru-RU"/>
           </a:p>
@@ -2926,7 +2928,7 @@
           <a:p>
             <a:fld id="{AC3D3127-B7C4-45E3-9797-C527EC9FDD78}" type="datetimeFigureOut">
               <a:rPr lang="ru-RU" smtClean="0"/>
-              <a:t>05.01.2013</a:t>
+              <a:t>15.02.2013</a:t>
             </a:fld>
             <a:endParaRPr lang="ru-RU"/>
           </a:p>
@@ -3461,15 +3463,7 @@
                   <a:schemeClr val="bg1"/>
                 </a:solidFill>
               </a:rPr>
-              <a:t>Microsoft </a:t>
-            </a:r>
-            <a:r>
-              <a:rPr lang="en-US" sz="2400" dirty="0" smtClean="0">
-                <a:solidFill>
-                  <a:schemeClr val="bg1"/>
-                </a:solidFill>
-              </a:rPr>
-              <a:t>Visual Studio</a:t>
+              <a:t>Microsoft Visual Studio</a:t>
             </a:r>
             <a:endParaRPr lang="en-US" sz="2400" dirty="0">
               <a:solidFill>
@@ -3496,6 +3490,254 @@
       </p:par>
     </p:tnLst>
   </p:timing>
+</p:sld>
+</file>
+
+<file path=ppt/slides/slide10.xml><?xml version="1.0" encoding="utf-8"?>
+<p:sld xmlns:a="http://schemas.openxmlformats.org/drawingml/2006/main" xmlns:r="http://schemas.openxmlformats.org/officeDocument/2006/relationships" xmlns:p="http://schemas.openxmlformats.org/presentationml/2006/main">
+  <p:cSld>
+    <p:spTree>
+      <p:nvGrpSpPr>
+        <p:cNvPr id="1" name=""/>
+        <p:cNvGrpSpPr/>
+        <p:nvPr/>
+      </p:nvGrpSpPr>
+      <p:grpSpPr>
+        <a:xfrm>
+          <a:off x="0" y="0"/>
+          <a:ext cx="0" cy="0"/>
+          <a:chOff x="0" y="0"/>
+          <a:chExt cx="0" cy="0"/>
+        </a:xfrm>
+      </p:grpSpPr>
+      <p:sp>
+        <p:nvSpPr>
+          <p:cNvPr id="2" name="Title 1"/>
+          <p:cNvSpPr>
+            <a:spLocks noGrp="1"/>
+          </p:cNvSpPr>
+          <p:nvPr>
+            <p:ph type="title"/>
+          </p:nvPr>
+        </p:nvSpPr>
+        <p:spPr/>
+        <p:txBody>
+          <a:bodyPr/>
+          <a:lstStyle/>
+          <a:p>
+            <a:r>
+              <a:rPr lang="ru-RU" dirty="0">
+                <a:solidFill>
+                  <a:schemeClr val="bg1"/>
+                </a:solidFill>
+              </a:rPr>
+              <a:t>Г</a:t>
+            </a:r>
+            <a:r>
+              <a:rPr lang="ru-RU" dirty="0" smtClean="0">
+                <a:solidFill>
+                  <a:schemeClr val="bg1"/>
+                </a:solidFill>
+              </a:rPr>
+              <a:t>орячие </a:t>
+            </a:r>
+            <a:r>
+              <a:rPr lang="ru-RU" dirty="0">
+                <a:solidFill>
+                  <a:schemeClr val="bg1"/>
+                </a:solidFill>
+              </a:rPr>
+              <a:t>клавиши</a:t>
+            </a:r>
+            <a:endParaRPr lang="en-US" dirty="0"/>
+          </a:p>
+        </p:txBody>
+      </p:sp>
+      <p:sp>
+        <p:nvSpPr>
+          <p:cNvPr id="3" name="Content Placeholder 2"/>
+          <p:cNvSpPr>
+            <a:spLocks noGrp="1"/>
+          </p:cNvSpPr>
+          <p:nvPr>
+            <p:ph idx="1"/>
+          </p:nvPr>
+        </p:nvSpPr>
+        <p:spPr/>
+        <p:txBody>
+          <a:bodyPr/>
+          <a:lstStyle/>
+          <a:p>
+            <a:r>
+              <a:rPr lang="ru-RU" dirty="0" smtClean="0">
+                <a:solidFill>
+                  <a:schemeClr val="bg1"/>
+                </a:solidFill>
+              </a:rPr>
+              <a:t>Редактор</a:t>
+            </a:r>
+          </a:p>
+          <a:p>
+            <a:pPr lvl="1"/>
+            <a:r>
+              <a:rPr lang="en-US" dirty="0" err="1" smtClean="0"/>
+              <a:t>Ctrl+</a:t>
+            </a:r>
+            <a:r>
+              <a:rPr lang="en-US" dirty="0" err="1" smtClean="0">
+                <a:solidFill>
+                  <a:schemeClr val="bg1"/>
+                </a:solidFill>
+              </a:rPr>
+              <a:t>G</a:t>
+            </a:r>
+            <a:r>
+              <a:rPr lang="en-US" dirty="0" smtClean="0">
+                <a:solidFill>
+                  <a:schemeClr val="bg1"/>
+                </a:solidFill>
+              </a:rPr>
+              <a:t> </a:t>
+            </a:r>
+            <a:r>
+              <a:rPr lang="ru-RU" dirty="0">
+                <a:solidFill>
+                  <a:schemeClr val="bg1"/>
+                </a:solidFill>
+              </a:rPr>
+              <a:t>перейти на строку </a:t>
+            </a:r>
+            <a:r>
+              <a:rPr lang="ru-RU" dirty="0" smtClean="0">
+                <a:solidFill>
+                  <a:schemeClr val="bg1"/>
+                </a:solidFill>
+              </a:rPr>
+              <a:t>№</a:t>
+            </a:r>
+          </a:p>
+          <a:p>
+            <a:pPr lvl="1"/>
+            <a:r>
+              <a:rPr lang="en-US" dirty="0" err="1" smtClean="0"/>
+              <a:t>C</a:t>
+            </a:r>
+            <a:r>
+              <a:rPr lang="en-US" dirty="0" err="1"/>
+              <a:t>trl</a:t>
+            </a:r>
+            <a:r>
+              <a:rPr lang="en-US" dirty="0" err="1" smtClean="0"/>
+              <a:t>+K</a:t>
+            </a:r>
+            <a:r>
+              <a:rPr lang="en-US" dirty="0"/>
+              <a:t>, </a:t>
+            </a:r>
+            <a:r>
+              <a:rPr lang="en-US" dirty="0" err="1" smtClean="0"/>
+              <a:t>C</a:t>
+            </a:r>
+            <a:r>
+              <a:rPr lang="en-US" dirty="0" err="1"/>
+              <a:t>trl</a:t>
+            </a:r>
+            <a:r>
+              <a:rPr lang="en-US" dirty="0" err="1" smtClean="0"/>
+              <a:t>+</a:t>
+            </a:r>
+            <a:r>
+              <a:rPr lang="en-US" dirty="0" err="1" smtClean="0">
+                <a:solidFill>
+                  <a:schemeClr val="bg1"/>
+                </a:solidFill>
+              </a:rPr>
+              <a:t>C</a:t>
+            </a:r>
+            <a:r>
+              <a:rPr lang="en-US" dirty="0" smtClean="0">
+                <a:solidFill>
+                  <a:schemeClr val="bg1"/>
+                </a:solidFill>
+              </a:rPr>
+              <a:t> </a:t>
+            </a:r>
+            <a:r>
+              <a:rPr lang="ru-RU" dirty="0" smtClean="0">
+                <a:solidFill>
+                  <a:schemeClr val="bg1"/>
+                </a:solidFill>
+              </a:rPr>
+              <a:t>закоментировать выбранные строки</a:t>
+            </a:r>
+          </a:p>
+          <a:p>
+            <a:pPr lvl="1"/>
+            <a:r>
+              <a:rPr lang="en-US" dirty="0" err="1" smtClean="0"/>
+              <a:t>C</a:t>
+            </a:r>
+            <a:r>
+              <a:rPr lang="en-US" dirty="0" err="1"/>
+              <a:t>trl</a:t>
+            </a:r>
+            <a:r>
+              <a:rPr lang="en-US" dirty="0" err="1" smtClean="0"/>
+              <a:t>+K</a:t>
+            </a:r>
+            <a:r>
+              <a:rPr lang="en-US" dirty="0"/>
+              <a:t>, </a:t>
+            </a:r>
+            <a:r>
+              <a:rPr lang="en-US" dirty="0" err="1" smtClean="0"/>
+              <a:t>Ctrl+U</a:t>
+            </a:r>
+            <a:r>
+              <a:rPr lang="en-US" dirty="0" smtClean="0"/>
+              <a:t> </a:t>
+            </a:r>
+            <a:r>
+              <a:rPr lang="ru-RU" dirty="0" smtClean="0"/>
+              <a:t>снять коментарий с выбранных строк</a:t>
+            </a:r>
+            <a:endParaRPr lang="en-US" dirty="0"/>
+          </a:p>
+          <a:p>
+            <a:pPr lvl="1"/>
+            <a:endParaRPr lang="ru-RU" dirty="0" smtClean="0">
+              <a:solidFill>
+                <a:schemeClr val="bg1"/>
+              </a:solidFill>
+            </a:endParaRPr>
+          </a:p>
+          <a:p>
+            <a:pPr lvl="1"/>
+            <a:r>
+              <a:rPr lang="ru-RU" dirty="0" smtClean="0">
+                <a:solidFill>
+                  <a:schemeClr val="bg1"/>
+                </a:solidFill>
+              </a:rPr>
+              <a:t>Закладки</a:t>
+            </a:r>
+          </a:p>
+          <a:p>
+            <a:pPr lvl="1"/>
+            <a:endParaRPr lang="en-US" dirty="0"/>
+          </a:p>
+        </p:txBody>
+      </p:sp>
+    </p:spTree>
+    <p:extLst>
+      <p:ext uri="{BB962C8B-B14F-4D97-AF65-F5344CB8AC3E}">
+        <p14:creationId xmlns:p14="http://schemas.microsoft.com/office/powerpoint/2010/main" val="111183208"/>
+      </p:ext>
+    </p:extLst>
+  </p:cSld>
+  <p:clrMapOvr>
+    <a:masterClrMapping/>
+  </p:clrMapOvr>
 </p:sld>
 </file>
 
@@ -3781,11 +4023,7 @@
             </a:pPr>
             <a:r>
               <a:rPr lang="ru-RU" dirty="0" smtClean="0"/>
-              <a:t>Аналогично обозначаются версии </a:t>
-            </a:r>
-            <a:r>
-              <a:rPr lang="ru-RU" dirty="0" smtClean="0"/>
-              <a:t>ОС </a:t>
+              <a:t>Аналогично обозначаются версии ОС </a:t>
             </a:r>
             <a:r>
               <a:rPr lang="en-US" dirty="0" smtClean="0"/>
@@ -4447,11 +4685,6 @@
               </a:rPr>
               <a:t>(Ctrl + Up/Down Arrow)</a:t>
             </a:r>
-            <a:endParaRPr lang="en-US" dirty="0">
-              <a:solidFill>
-                <a:srgbClr val="F6AE1E"/>
-              </a:solidFill>
-            </a:endParaRPr>
           </a:p>
         </p:txBody>
       </p:sp>
@@ -4502,7 +4735,15 @@
           <a:p>
             <a:r>
               <a:rPr lang="ru-RU" dirty="0" smtClean="0"/>
-              <a:t>Отладчик</a:t>
+              <a:t>Редактор</a:t>
+            </a:r>
+            <a:r>
+              <a:rPr lang="en-US" dirty="0" smtClean="0"/>
+              <a:t>: </a:t>
+            </a:r>
+            <a:r>
+              <a:rPr lang="ru-RU" dirty="0" smtClean="0"/>
+              <a:t>Поиск текста</a:t>
             </a:r>
             <a:endParaRPr lang="en-US" dirty="0"/>
           </a:p>
@@ -4520,17 +4761,217 @@
         </p:nvSpPr>
         <p:spPr/>
         <p:txBody>
-          <a:bodyPr/>
+          <a:bodyPr>
+            <a:normAutofit fontScale="85000" lnSpcReduction="10000"/>
+          </a:bodyPr>
           <a:lstStyle/>
           <a:p>
-            <a:endParaRPr lang="en-US" dirty="0"/>
+            <a:pPr>
+              <a:buClr>
+                <a:schemeClr val="bg1"/>
+              </a:buClr>
+            </a:pPr>
+            <a:r>
+              <a:rPr lang="en-US" dirty="0" err="1" smtClean="0">
+                <a:solidFill>
+                  <a:srgbClr val="F6AE1E"/>
+                </a:solidFill>
+              </a:rPr>
+              <a:t>Ctrl+i</a:t>
+            </a:r>
+            <a:r>
+              <a:rPr lang="ru-RU" dirty="0" smtClean="0">
+                <a:solidFill>
+                  <a:schemeClr val="bg1"/>
+                </a:solidFill>
+              </a:rPr>
+              <a:t> </a:t>
+            </a:r>
+            <a:r>
+              <a:rPr lang="ru-RU" dirty="0" smtClean="0">
+                <a:solidFill>
+                  <a:schemeClr val="bg1"/>
+                </a:solidFill>
+              </a:rPr>
+              <a:t>поиск</a:t>
+            </a:r>
+          </a:p>
+          <a:p>
+            <a:pPr>
+              <a:buClr>
+                <a:schemeClr val="bg1"/>
+              </a:buClr>
+            </a:pPr>
+            <a:r>
+              <a:rPr lang="en-US" dirty="0">
+                <a:solidFill>
+                  <a:srgbClr val="F6AE1E"/>
+                </a:solidFill>
+              </a:rPr>
+              <a:t>F3/Shift+F3</a:t>
+            </a:r>
+            <a:r>
+              <a:rPr lang="en-US" dirty="0" smtClean="0">
+                <a:solidFill>
+                  <a:schemeClr val="bg1"/>
+                </a:solidFill>
+              </a:rPr>
+              <a:t> </a:t>
+            </a:r>
+            <a:r>
+              <a:rPr lang="ru-RU" dirty="0" smtClean="0">
+                <a:solidFill>
+                  <a:schemeClr val="bg1"/>
+                </a:solidFill>
+              </a:rPr>
+              <a:t>найти следующее/предыдущее вхождение строки</a:t>
+            </a:r>
+          </a:p>
+          <a:p>
+            <a:pPr>
+              <a:buClr>
+                <a:schemeClr val="bg1"/>
+              </a:buClr>
+            </a:pPr>
+            <a:r>
+              <a:rPr lang="en-US" dirty="0">
+                <a:solidFill>
+                  <a:srgbClr val="F6AE1E"/>
+                </a:solidFill>
+              </a:rPr>
+              <a:t>Ctrl+F3</a:t>
+            </a:r>
+            <a:r>
+              <a:rPr lang="en-US" dirty="0" smtClean="0">
+                <a:solidFill>
+                  <a:schemeClr val="bg1"/>
+                </a:solidFill>
+              </a:rPr>
+              <a:t> </a:t>
+            </a:r>
+            <a:r>
+              <a:rPr lang="ru-RU" dirty="0" smtClean="0">
+                <a:solidFill>
+                  <a:schemeClr val="bg1"/>
+                </a:solidFill>
+              </a:rPr>
+              <a:t>найти следующее вхождение выделенного текста</a:t>
+            </a:r>
+          </a:p>
+          <a:p>
+            <a:pPr>
+              <a:buClr>
+                <a:schemeClr val="bg1"/>
+              </a:buClr>
+            </a:pPr>
+            <a:r>
+              <a:rPr lang="en-US" dirty="0" err="1">
+                <a:solidFill>
+                  <a:srgbClr val="F6AE1E"/>
+                </a:solidFill>
+              </a:rPr>
+              <a:t>Ctrl+Shift+F</a:t>
+            </a:r>
+            <a:r>
+              <a:rPr lang="en-US" dirty="0" smtClean="0">
+                <a:solidFill>
+                  <a:schemeClr val="bg1"/>
+                </a:solidFill>
+              </a:rPr>
+              <a:t> </a:t>
+            </a:r>
+            <a:r>
+              <a:rPr lang="ru-RU" dirty="0" smtClean="0">
+                <a:solidFill>
+                  <a:schemeClr val="bg1"/>
+                </a:solidFill>
+              </a:rPr>
+              <a:t>найти в </a:t>
+            </a:r>
+            <a:r>
+              <a:rPr lang="en-US" dirty="0" smtClean="0">
+                <a:solidFill>
+                  <a:schemeClr val="bg1"/>
+                </a:solidFill>
+              </a:rPr>
+              <a:t>solution</a:t>
+            </a:r>
+          </a:p>
+          <a:p>
+            <a:pPr marL="0" indent="0">
+              <a:buClr>
+                <a:schemeClr val="bg1"/>
+              </a:buClr>
+              <a:buNone/>
+            </a:pPr>
+            <a:endParaRPr lang="ru-RU" dirty="0" smtClean="0">
+              <a:solidFill>
+                <a:schemeClr val="bg1"/>
+              </a:solidFill>
+            </a:endParaRPr>
+          </a:p>
+          <a:p>
+            <a:pPr>
+              <a:buClr>
+                <a:schemeClr val="bg1"/>
+              </a:buClr>
+            </a:pPr>
+            <a:endParaRPr lang="ru-RU" dirty="0">
+              <a:solidFill>
+                <a:schemeClr val="bg1"/>
+              </a:solidFill>
+            </a:endParaRPr>
+          </a:p>
+          <a:p>
+            <a:pPr marL="0" indent="0">
+              <a:buClr>
+                <a:schemeClr val="bg1"/>
+              </a:buClr>
+              <a:buNone/>
+            </a:pPr>
+            <a:r>
+              <a:rPr lang="en-US" dirty="0">
+                <a:solidFill>
+                  <a:schemeClr val="bg1"/>
+                </a:solidFill>
+                <a:hlinkClick r:id="rId2"/>
+              </a:rPr>
+              <a:t>http://</a:t>
+            </a:r>
+            <a:r>
+              <a:rPr lang="en-US" dirty="0" smtClean="0">
+                <a:solidFill>
+                  <a:schemeClr val="bg1"/>
+                </a:solidFill>
+                <a:hlinkClick r:id="rId2"/>
+              </a:rPr>
+              <a:t>weblogs.asp.net/scottgu/archive/2010/08/24/search-and-navigation-tips-tricks-with-visual-studio.aspx</a:t>
+            </a:r>
+            <a:endParaRPr lang="ru-RU" dirty="0" smtClean="0">
+              <a:solidFill>
+                <a:schemeClr val="bg1"/>
+              </a:solidFill>
+            </a:endParaRPr>
+          </a:p>
+          <a:p>
+            <a:pPr marL="0" indent="0">
+              <a:buClr>
+                <a:schemeClr val="bg1"/>
+              </a:buClr>
+              <a:buNone/>
+            </a:pPr>
+            <a:endParaRPr lang="en-US" dirty="0">
+              <a:solidFill>
+                <a:schemeClr val="bg1"/>
+              </a:solidFill>
+            </a:endParaRPr>
           </a:p>
         </p:txBody>
       </p:sp>
     </p:spTree>
     <p:extLst>
       <p:ext uri="{BB962C8B-B14F-4D97-AF65-F5344CB8AC3E}">
-        <p14:creationId xmlns:p14="http://schemas.microsoft.com/office/powerpoint/2010/main" val="1495295926"/>
+        <p14:creationId xmlns:p14="http://schemas.microsoft.com/office/powerpoint/2010/main" val="1967395690"/>
       </p:ext>
     </p:extLst>
   </p:cSld>
@@ -4543,6 +4984,20 @@
 <file path=ppt/slides/slide7.xml><?xml version="1.0" encoding="utf-8"?>
 <p:sld xmlns:a="http://schemas.openxmlformats.org/drawingml/2006/main" xmlns:r="http://schemas.openxmlformats.org/officeDocument/2006/relationships" xmlns:p="http://schemas.openxmlformats.org/presentationml/2006/main">
   <p:cSld>
+    <p:bg>
+      <p:bgPr>
+        <a:blipFill dpi="0" rotWithShape="1">
+          <a:blip r:embed="rId3">
+            <a:lum/>
+          </a:blip>
+          <a:srcRect/>
+          <a:stretch>
+            <a:fillRect/>
+          </a:stretch>
+        </a:blipFill>
+        <a:effectLst/>
+      </p:bgPr>
+    </p:bg>
     <p:spTree>
       <p:nvGrpSpPr>
         <p:cNvPr id="1" name=""/>
@@ -4574,11 +5029,15 @@
           <a:p>
             <a:r>
               <a:rPr lang="ru-RU" dirty="0" smtClean="0"/>
-              <a:t>Расширения для </a:t>
+              <a:t>Редактор</a:t>
             </a:r>
             <a:r>
               <a:rPr lang="en-US" dirty="0" smtClean="0"/>
-              <a:t>VS</a:t>
+              <a:t>: </a:t>
+            </a:r>
+            <a:r>
+              <a:rPr lang="ru-RU" dirty="0" smtClean="0"/>
+              <a:t>Навигация по коду</a:t>
             </a:r>
             <a:endParaRPr lang="en-US" dirty="0"/>
           </a:p>
@@ -4597,144 +5056,261 @@
         <p:spPr/>
         <p:txBody>
           <a:bodyPr>
-            <a:normAutofit fontScale="85000" lnSpcReduction="10000"/>
+            <a:normAutofit fontScale="92500" lnSpcReduction="20000"/>
           </a:bodyPr>
           <a:lstStyle/>
           <a:p>
-            <a:r>
-              <a:rPr lang="en-US" dirty="0"/>
-              <a:t>ReSharper - </a:t>
-            </a:r>
+            <a:pPr>
+              <a:buClr>
+                <a:schemeClr val="bg1"/>
+              </a:buClr>
+            </a:pPr>
+            <a:r>
+              <a:rPr lang="en-US" smtClean="0">
+                <a:solidFill>
+                  <a:srgbClr val="F6AE1E"/>
+                </a:solidFill>
+              </a:rPr>
+              <a:t>F12</a:t>
+            </a:r>
+            <a:r>
+              <a:rPr lang="en-US" smtClean="0">
+                <a:solidFill>
+                  <a:schemeClr val="bg1"/>
+                </a:solidFill>
+              </a:rPr>
+              <a:t> </a:t>
+            </a:r>
+            <a:r>
+              <a:rPr lang="ru-RU" dirty="0" smtClean="0">
+                <a:solidFill>
+                  <a:schemeClr val="bg1"/>
+                </a:solidFill>
+              </a:rPr>
+              <a:t>перейти к объявлению</a:t>
+            </a:r>
+          </a:p>
+          <a:p>
+            <a:pPr>
+              <a:buClr>
+                <a:schemeClr val="bg1"/>
+              </a:buClr>
+            </a:pPr>
             <a:r>
               <a:rPr lang="en-US" dirty="0">
-                <a:hlinkClick r:id="rId2"/>
-              </a:rPr>
-              <a:t>http://www.jetbrains.com/resharper</a:t>
+                <a:solidFill>
+                  <a:srgbClr val="F6AE1E"/>
+                </a:solidFill>
+              </a:rPr>
+              <a:t>Shift+F12</a:t>
             </a:r>
             <a:r>
               <a:rPr lang="en-US" dirty="0" smtClean="0">
-                <a:hlinkClick r:id="rId2"/>
-              </a:rPr>
-              <a:t>/</a:t>
-            </a:r>
-            <a:endParaRPr lang="en-US" dirty="0" smtClean="0"/>
-          </a:p>
-          <a:p>
-            <a:r>
-              <a:rPr lang="en-US" dirty="0" smtClean="0"/>
-              <a:t>Productivity </a:t>
-            </a:r>
-            <a:r>
-              <a:rPr lang="en-US" dirty="0"/>
-              <a:t>Power </a:t>
-            </a:r>
-            <a:r>
-              <a:rPr lang="en-US" dirty="0" smtClean="0"/>
-              <a:t>Tools</a:t>
-            </a:r>
-          </a:p>
-          <a:p>
-            <a:pPr lvl="1"/>
-            <a:r>
-              <a:rPr lang="en-US" dirty="0" smtClean="0"/>
-              <a:t>VS 2010:</a:t>
-            </a:r>
-            <a:br>
-              <a:rPr lang="en-US" dirty="0" smtClean="0"/>
-            </a:br>
+                <a:solidFill>
+                  <a:schemeClr val="bg1"/>
+                </a:solidFill>
+              </a:rPr>
+              <a:t> </a:t>
+            </a:r>
+            <a:r>
+              <a:rPr lang="ru-RU" dirty="0" smtClean="0">
+                <a:solidFill>
+                  <a:schemeClr val="bg1"/>
+                </a:solidFill>
+              </a:rPr>
+              <a:t>найти все места где используется имя</a:t>
+            </a:r>
+          </a:p>
+          <a:p>
+            <a:pPr>
+              <a:buClr>
+                <a:schemeClr val="bg1"/>
+              </a:buClr>
+            </a:pPr>
+            <a:r>
+              <a:rPr lang="en-US" dirty="0">
+                <a:solidFill>
+                  <a:srgbClr val="F6AE1E"/>
+                </a:solidFill>
+              </a:rPr>
+              <a:t>Ctrl+</a:t>
+            </a:r>
+            <a:r>
+              <a:rPr lang="ru-RU" dirty="0">
+                <a:solidFill>
+                  <a:srgbClr val="F6AE1E"/>
+                </a:solidFill>
+              </a:rPr>
+              <a:t>Минус</a:t>
+            </a:r>
             <a:r>
               <a:rPr lang="en-US" dirty="0" smtClean="0">
-                <a:hlinkClick r:id="rId3"/>
-              </a:rPr>
-              <a:t>http</a:t>
+                <a:solidFill>
+                  <a:schemeClr val="bg1"/>
+                </a:solidFill>
+              </a:rPr>
+              <a:t> </a:t>
+            </a:r>
+            <a:r>
+              <a:rPr lang="ru-RU" dirty="0" smtClean="0">
+                <a:solidFill>
+                  <a:schemeClr val="bg1"/>
+                </a:solidFill>
+              </a:rPr>
+              <a:t>и </a:t>
+            </a:r>
+            <a:r>
+              <a:rPr lang="en-US" dirty="0" err="1" smtClean="0">
+                <a:solidFill>
+                  <a:srgbClr val="F6AE1E"/>
+                </a:solidFill>
+              </a:rPr>
+              <a:t>Shift+Ctrl</a:t>
+            </a:r>
+            <a:r>
+              <a:rPr lang="en-US" dirty="0" smtClean="0">
+                <a:solidFill>
+                  <a:srgbClr val="F6AE1E"/>
+                </a:solidFill>
+              </a:rPr>
+              <a:t>+</a:t>
+            </a:r>
+            <a:r>
+              <a:rPr lang="ru-RU" dirty="0" smtClean="0">
+                <a:solidFill>
+                  <a:srgbClr val="F6AE1E"/>
+                </a:solidFill>
+              </a:rPr>
+              <a:t>Минус</a:t>
+            </a:r>
+            <a:r>
+              <a:rPr lang="en-US" dirty="0" smtClean="0">
+                <a:solidFill>
+                  <a:schemeClr val="bg1"/>
+                </a:solidFill>
+              </a:rPr>
+              <a:t> </a:t>
+            </a:r>
+            <a:r>
+              <a:rPr lang="ru-RU" dirty="0" smtClean="0">
+                <a:solidFill>
+                  <a:schemeClr val="bg1"/>
+                </a:solidFill>
+              </a:rPr>
+              <a:t>навигация «вперед»/«назад»</a:t>
+            </a:r>
+          </a:p>
+          <a:p>
+            <a:pPr>
+              <a:buClr>
+                <a:schemeClr val="bg1"/>
+              </a:buClr>
+            </a:pPr>
+            <a:r>
+              <a:rPr lang="en-US" dirty="0" err="1">
+                <a:solidFill>
+                  <a:srgbClr val="F6AE1E"/>
+                </a:solidFill>
+              </a:rPr>
+              <a:t>Ctrl+Alt</a:t>
             </a:r>
             <a:r>
               <a:rPr lang="en-US" dirty="0">
-                <a:hlinkClick r:id="rId3"/>
-              </a:rPr>
-              <a:t>://</a:t>
+                <a:solidFill>
+                  <a:srgbClr val="F6AE1E"/>
+                </a:solidFill>
+              </a:rPr>
+              <a:t>+</a:t>
+            </a:r>
+            <a:r>
+              <a:rPr lang="ru-RU" dirty="0">
+                <a:solidFill>
+                  <a:srgbClr val="F6AE1E"/>
+                </a:solidFill>
+              </a:rPr>
+              <a:t>Стрелка вниз</a:t>
+            </a:r>
+            <a:r>
+              <a:rPr lang="ru-RU" dirty="0" smtClean="0">
+                <a:solidFill>
+                  <a:schemeClr val="bg1"/>
+                </a:solidFill>
+              </a:rPr>
+              <a:t> показать список открытых файлов</a:t>
+            </a:r>
+            <a:endParaRPr lang="en-US" dirty="0" smtClean="0">
+              <a:solidFill>
+                <a:schemeClr val="bg1"/>
+              </a:solidFill>
+            </a:endParaRPr>
+          </a:p>
+          <a:p>
+            <a:pPr>
+              <a:buClr>
+                <a:schemeClr val="bg1"/>
+              </a:buClr>
+            </a:pPr>
+            <a:endParaRPr lang="ru-RU" dirty="0">
+              <a:solidFill>
+                <a:schemeClr val="bg1"/>
+              </a:solidFill>
+            </a:endParaRPr>
+          </a:p>
+          <a:p>
+            <a:pPr marL="0" indent="0">
+              <a:buClr>
+                <a:schemeClr val="bg1"/>
+              </a:buClr>
+              <a:buNone/>
+            </a:pPr>
+            <a:r>
+              <a:rPr lang="en-US" dirty="0">
+                <a:solidFill>
+                  <a:schemeClr val="bg1"/>
+                </a:solidFill>
+                <a:hlinkClick r:id="rId4"/>
+              </a:rPr>
+              <a:t>http://</a:t>
             </a:r>
             <a:r>
               <a:rPr lang="en-US" dirty="0" smtClean="0">
-                <a:hlinkClick r:id="rId3"/>
-              </a:rPr>
-              <a:t>visualstudiogallery.msdn.microsoft.com/d0d33361-18e2-46c0-8ff2-4adea1e34fef</a:t>
-            </a:r>
-            <a:endParaRPr lang="en-US" dirty="0" smtClean="0"/>
-          </a:p>
-          <a:p>
-            <a:pPr lvl="1"/>
-            <a:r>
-              <a:rPr lang="en-US" dirty="0"/>
-              <a:t>VS 2012: </a:t>
-            </a:r>
-            <a:r>
-              <a:rPr lang="en-US" dirty="0">
+                <a:solidFill>
+                  <a:schemeClr val="bg1"/>
+                </a:solidFill>
                 <a:hlinkClick r:id="rId4"/>
               </a:rPr>
-              <a:t>http://</a:t>
-            </a:r>
-            <a:r>
-              <a:rPr lang="en-US" dirty="0" smtClean="0">
-                <a:hlinkClick r:id="rId4"/>
-              </a:rPr>
-              <a:t>visualstudiogallery.msdn.microsoft.com/3a96a4dc-ba9c-4589-92c5-640e07332afd</a:t>
-            </a:r>
-            <a:endParaRPr lang="ru-RU" dirty="0" smtClean="0"/>
-          </a:p>
-          <a:p>
-            <a:r>
-              <a:rPr lang="ru-RU" dirty="0" smtClean="0"/>
-              <a:t>Безопасный режим</a:t>
-            </a:r>
-            <a:r>
-              <a:rPr lang="en-US" dirty="0" smtClean="0"/>
-              <a:t> (</a:t>
-            </a:r>
-            <a:r>
-              <a:rPr lang="ru-RU" dirty="0" smtClean="0"/>
-              <a:t>отключает все расширения</a:t>
-            </a:r>
-            <a:r>
-              <a:rPr lang="en-US" dirty="0" smtClean="0"/>
-              <a:t>)</a:t>
-            </a:r>
-            <a:endParaRPr lang="ru-RU" dirty="0" smtClean="0"/>
-          </a:p>
-          <a:p>
-            <a:pPr lvl="1"/>
-            <a:r>
-              <a:rPr lang="en-US" dirty="0" smtClean="0"/>
-              <a:t>Devenv.exe </a:t>
-            </a:r>
-            <a:r>
-              <a:rPr lang="en-US" dirty="0"/>
-              <a:t>/</a:t>
-            </a:r>
-            <a:r>
-              <a:rPr lang="en-US" dirty="0" err="1"/>
-              <a:t>SafeMode</a:t>
-            </a:r>
-            <a:endParaRPr lang="en-US" dirty="0"/>
-          </a:p>
-          <a:p>
-            <a:pPr lvl="1"/>
-            <a:endParaRPr lang="en-US" dirty="0" smtClean="0"/>
-          </a:p>
-          <a:p>
-            <a:endParaRPr lang="en-US" dirty="0"/>
+              <a:t>weblogs.asp.net/scottgu/archive/2010/08/24/search-and-navigation-tips-tricks-with-visual-studio.aspx</a:t>
+            </a:r>
+            <a:endParaRPr lang="ru-RU" dirty="0" smtClean="0">
+              <a:solidFill>
+                <a:schemeClr val="bg1"/>
+              </a:solidFill>
+            </a:endParaRPr>
+          </a:p>
+          <a:p>
+            <a:pPr marL="0" indent="0">
+              <a:buClr>
+                <a:schemeClr val="bg1"/>
+              </a:buClr>
+              <a:buNone/>
+            </a:pPr>
+            <a:endParaRPr lang="en-US" dirty="0">
+              <a:solidFill>
+                <a:schemeClr val="bg1"/>
+              </a:solidFill>
+            </a:endParaRPr>
           </a:p>
         </p:txBody>
       </p:sp>
     </p:spTree>
     <p:extLst>
       <p:ext uri="{BB962C8B-B14F-4D97-AF65-F5344CB8AC3E}">
-        <p14:creationId xmlns:p14="http://schemas.microsoft.com/office/powerpoint/2010/main" val="1235442158"/>
+        <p14:creationId xmlns:p14="http://schemas.microsoft.com/office/powerpoint/2010/main" val="1465218823"/>
       </p:ext>
     </p:extLst>
   </p:cSld>
   <p:clrMapOvr>
-    <a:masterClrMapping/>
+    <a:overrideClrMapping bg1="lt1" tx1="dk1" bg2="lt2" tx2="dk2" accent1="accent1" accent2="accent2" accent3="accent3" accent4="accent4" accent5="accent5" accent6="accent6" hlink="hlink" folHlink="folHlink"/>
   </p:clrMapOvr>
 </p:sld>
 </file>
@@ -4772,28 +5348,8 @@
           <a:lstStyle/>
           <a:p>
             <a:r>
-              <a:rPr lang="ru-RU" dirty="0">
-                <a:solidFill>
-                  <a:schemeClr val="bg1"/>
-                </a:solidFill>
-              </a:rPr>
-              <a:t>Г</a:t>
-            </a:r>
-            <a:r>
-              <a:rPr lang="ru-RU" dirty="0" smtClean="0">
-                <a:solidFill>
-                  <a:schemeClr val="bg1"/>
-                </a:solidFill>
-              </a:rPr>
-              <a:t>орячие </a:t>
-            </a:r>
-            <a:r>
-              <a:rPr lang="ru-RU" dirty="0">
-                <a:solidFill>
-                  <a:schemeClr val="bg1"/>
-                </a:solidFill>
-              </a:rPr>
-              <a:t>клавиши</a:t>
+              <a:rPr lang="ru-RU" dirty="0" smtClean="0"/>
+              <a:t>Отладчик</a:t>
             </a:r>
             <a:endParaRPr lang="en-US" dirty="0"/>
           </a:p>
@@ -4814,162 +5370,6 @@
           <a:bodyPr/>
           <a:lstStyle/>
           <a:p>
-            <a:r>
-              <a:rPr lang="ru-RU" dirty="0" smtClean="0">
-                <a:solidFill>
-                  <a:schemeClr val="bg1"/>
-                </a:solidFill>
-              </a:rPr>
-              <a:t>Редактор</a:t>
-            </a:r>
-          </a:p>
-          <a:p>
-            <a:pPr lvl="1"/>
-            <a:r>
-              <a:rPr lang="en-US" dirty="0" err="1" smtClean="0"/>
-              <a:t>Ctrl+</a:t>
-            </a:r>
-            <a:r>
-              <a:rPr lang="en-US" dirty="0" err="1" smtClean="0">
-                <a:solidFill>
-                  <a:schemeClr val="bg1"/>
-                </a:solidFill>
-              </a:rPr>
-              <a:t>G</a:t>
-            </a:r>
-            <a:r>
-              <a:rPr lang="en-US" dirty="0" smtClean="0">
-                <a:solidFill>
-                  <a:schemeClr val="bg1"/>
-                </a:solidFill>
-              </a:rPr>
-              <a:t> </a:t>
-            </a:r>
-            <a:r>
-              <a:rPr lang="ru-RU" dirty="0">
-                <a:solidFill>
-                  <a:schemeClr val="bg1"/>
-                </a:solidFill>
-              </a:rPr>
-              <a:t>перейти на строку </a:t>
-            </a:r>
-            <a:r>
-              <a:rPr lang="ru-RU" dirty="0" smtClean="0">
-                <a:solidFill>
-                  <a:schemeClr val="bg1"/>
-                </a:solidFill>
-              </a:rPr>
-              <a:t>№</a:t>
-            </a:r>
-          </a:p>
-          <a:p>
-            <a:pPr lvl="1"/>
-            <a:r>
-              <a:rPr lang="en-US" dirty="0" err="1" smtClean="0"/>
-              <a:t>C</a:t>
-            </a:r>
-            <a:r>
-              <a:rPr lang="en-US" dirty="0" err="1"/>
-              <a:t>trl</a:t>
-            </a:r>
-            <a:r>
-              <a:rPr lang="en-US" dirty="0" err="1" smtClean="0"/>
-              <a:t>+K</a:t>
-            </a:r>
-            <a:r>
-              <a:rPr lang="en-US" dirty="0"/>
-              <a:t>, </a:t>
-            </a:r>
-            <a:r>
-              <a:rPr lang="en-US" dirty="0" err="1" smtClean="0"/>
-              <a:t>C</a:t>
-            </a:r>
-            <a:r>
-              <a:rPr lang="en-US" dirty="0" err="1"/>
-              <a:t>trl</a:t>
-            </a:r>
-            <a:r>
-              <a:rPr lang="en-US" dirty="0" err="1" smtClean="0"/>
-              <a:t>+</a:t>
-            </a:r>
-            <a:r>
-              <a:rPr lang="en-US" dirty="0" err="1" smtClean="0">
-                <a:solidFill>
-                  <a:schemeClr val="bg1"/>
-                </a:solidFill>
-              </a:rPr>
-              <a:t>C</a:t>
-            </a:r>
-            <a:r>
-              <a:rPr lang="en-US" dirty="0" smtClean="0">
-                <a:solidFill>
-                  <a:schemeClr val="bg1"/>
-                </a:solidFill>
-              </a:rPr>
-              <a:t> </a:t>
-            </a:r>
-            <a:r>
-              <a:rPr lang="ru-RU" dirty="0" smtClean="0">
-                <a:solidFill>
-                  <a:schemeClr val="bg1"/>
-                </a:solidFill>
-              </a:rPr>
-              <a:t>закоментировать выбранные строки</a:t>
-            </a:r>
-          </a:p>
-          <a:p>
-            <a:pPr lvl="1"/>
-            <a:r>
-              <a:rPr lang="en-US" dirty="0" err="1" smtClean="0"/>
-              <a:t>C</a:t>
-            </a:r>
-            <a:r>
-              <a:rPr lang="en-US" dirty="0" err="1"/>
-              <a:t>trl</a:t>
-            </a:r>
-            <a:r>
-              <a:rPr lang="en-US" dirty="0" err="1" smtClean="0"/>
-              <a:t>+K</a:t>
-            </a:r>
-            <a:r>
-              <a:rPr lang="en-US" dirty="0"/>
-              <a:t>, </a:t>
-            </a:r>
-            <a:r>
-              <a:rPr lang="en-US" dirty="0" err="1" smtClean="0"/>
-              <a:t>Ctrl+U</a:t>
-            </a:r>
-            <a:r>
-              <a:rPr lang="en-US" dirty="0" smtClean="0"/>
-              <a:t> </a:t>
-            </a:r>
-            <a:r>
-              <a:rPr lang="ru-RU" dirty="0" smtClean="0"/>
-              <a:t>снять коментарий с выбранных строк</a:t>
-            </a:r>
-            <a:endParaRPr lang="en-US" dirty="0"/>
-          </a:p>
-          <a:p>
-            <a:pPr lvl="1"/>
-            <a:endParaRPr lang="ru-RU" dirty="0" smtClean="0">
-              <a:solidFill>
-                <a:schemeClr val="bg1"/>
-              </a:solidFill>
-            </a:endParaRPr>
-          </a:p>
-          <a:p>
-            <a:pPr lvl="1"/>
-            <a:r>
-              <a:rPr lang="ru-RU" dirty="0" smtClean="0">
-                <a:solidFill>
-                  <a:schemeClr val="bg1"/>
-                </a:solidFill>
-              </a:rPr>
-              <a:t>Закладки</a:t>
-            </a:r>
-          </a:p>
-          <a:p>
-            <a:pPr lvl="1"/>
             <a:endParaRPr lang="en-US" dirty="0"/>
           </a:p>
         </p:txBody>
@@ -4977,7 +5377,206 @@
     </p:spTree>
     <p:extLst>
       <p:ext uri="{BB962C8B-B14F-4D97-AF65-F5344CB8AC3E}">
-        <p14:creationId xmlns:p14="http://schemas.microsoft.com/office/powerpoint/2010/main" val="111183208"/>
+        <p14:creationId xmlns:p14="http://schemas.microsoft.com/office/powerpoint/2010/main" val="1495295926"/>
+      </p:ext>
+    </p:extLst>
+  </p:cSld>
+  <p:clrMapOvr>
+    <a:masterClrMapping/>
+  </p:clrMapOvr>
+</p:sld>
+</file>
+
+<file path=ppt/slides/slide9.xml><?xml version="1.0" encoding="utf-8"?>
+<p:sld xmlns:a="http://schemas.openxmlformats.org/drawingml/2006/main" xmlns:r="http://schemas.openxmlformats.org/officeDocument/2006/relationships" xmlns:p="http://schemas.openxmlformats.org/presentationml/2006/main">
+  <p:cSld>
+    <p:spTree>
+      <p:nvGrpSpPr>
+        <p:cNvPr id="1" name=""/>
+        <p:cNvGrpSpPr/>
+        <p:nvPr/>
+      </p:nvGrpSpPr>
+      <p:grpSpPr>
+        <a:xfrm>
+          <a:off x="0" y="0"/>
+          <a:ext cx="0" cy="0"/>
+          <a:chOff x="0" y="0"/>
+          <a:chExt cx="0" cy="0"/>
+        </a:xfrm>
+      </p:grpSpPr>
+      <p:sp>
+        <p:nvSpPr>
+          <p:cNvPr id="2" name="Title 1"/>
+          <p:cNvSpPr>
+            <a:spLocks noGrp="1"/>
+          </p:cNvSpPr>
+          <p:nvPr>
+            <p:ph type="title"/>
+          </p:nvPr>
+        </p:nvSpPr>
+        <p:spPr/>
+        <p:txBody>
+          <a:bodyPr/>
+          <a:lstStyle/>
+          <a:p>
+            <a:r>
+              <a:rPr lang="ru-RU" dirty="0" smtClean="0"/>
+              <a:t>Расширения для </a:t>
+            </a:r>
+            <a:r>
+              <a:rPr lang="en-US" dirty="0" smtClean="0"/>
+              <a:t>VS</a:t>
+            </a:r>
+            <a:endParaRPr lang="en-US" dirty="0"/>
+          </a:p>
+        </p:txBody>
+      </p:sp>
+      <p:sp>
+        <p:nvSpPr>
+          <p:cNvPr id="3" name="Content Placeholder 2"/>
+          <p:cNvSpPr>
+            <a:spLocks noGrp="1"/>
+          </p:cNvSpPr>
+          <p:nvPr>
+            <p:ph idx="1"/>
+          </p:nvPr>
+        </p:nvSpPr>
+        <p:spPr/>
+        <p:txBody>
+          <a:bodyPr>
+            <a:normAutofit fontScale="85000" lnSpcReduction="10000"/>
+          </a:bodyPr>
+          <a:lstStyle/>
+          <a:p>
+            <a:r>
+              <a:rPr lang="en-US" dirty="0"/>
+              <a:t>ReSharper - </a:t>
+            </a:r>
+            <a:r>
+              <a:rPr lang="en-US" dirty="0">
+                <a:hlinkClick r:id="rId2"/>
+              </a:rPr>
+              <a:t>http://www.jetbrains.com/resharper</a:t>
+            </a:r>
+            <a:r>
+              <a:rPr lang="en-US" dirty="0" smtClean="0">
+                <a:hlinkClick r:id="rId2"/>
+              </a:rPr>
+              <a:t>/</a:t>
+            </a:r>
+            <a:endParaRPr lang="en-US" dirty="0" smtClean="0"/>
+          </a:p>
+          <a:p>
+            <a:r>
+              <a:rPr lang="en-US" dirty="0" smtClean="0"/>
+              <a:t>Productivity </a:t>
+            </a:r>
+            <a:r>
+              <a:rPr lang="en-US" dirty="0"/>
+              <a:t>Power </a:t>
+            </a:r>
+            <a:r>
+              <a:rPr lang="en-US" dirty="0" smtClean="0"/>
+              <a:t>Tools</a:t>
+            </a:r>
+          </a:p>
+          <a:p>
+            <a:pPr lvl="1"/>
+            <a:r>
+              <a:rPr lang="en-US" dirty="0" smtClean="0"/>
+              <a:t>VS 2010:</a:t>
+            </a:r>
+            <a:br>
+              <a:rPr lang="en-US" dirty="0" smtClean="0"/>
+            </a:br>
+            <a:r>
+              <a:rPr lang="en-US" dirty="0" smtClean="0">
+                <a:hlinkClick r:id="rId3"/>
+              </a:rPr>
+              <a:t>http</a:t>
+            </a:r>
+            <a:r>
+              <a:rPr lang="en-US" dirty="0">
+                <a:hlinkClick r:id="rId3"/>
+              </a:rPr>
+              <a:t>://</a:t>
+            </a:r>
+            <a:r>
+              <a:rPr lang="en-US" dirty="0" smtClean="0">
+                <a:hlinkClick r:id="rId3"/>
+              </a:rPr>
+              <a:t>visualstudiogallery.msdn.microsoft.com/d0d33361-18e2-46c0-8ff2-4adea1e34fef</a:t>
+            </a:r>
+            <a:endParaRPr lang="en-US" dirty="0" smtClean="0"/>
+          </a:p>
+          <a:p>
+            <a:pPr lvl="1"/>
+            <a:r>
+              <a:rPr lang="en-US" dirty="0"/>
+              <a:t>VS 2012: </a:t>
+            </a:r>
+            <a:r>
+              <a:rPr lang="en-US" dirty="0">
+                <a:hlinkClick r:id="rId4"/>
+              </a:rPr>
+              <a:t>http://</a:t>
+            </a:r>
+            <a:r>
+              <a:rPr lang="en-US" dirty="0" smtClean="0">
+                <a:hlinkClick r:id="rId4"/>
+              </a:rPr>
+              <a:t>visualstudiogallery.msdn.microsoft.com/3a96a4dc-ba9c-4589-92c5-640e07332afd</a:t>
+            </a:r>
+            <a:endParaRPr lang="ru-RU" dirty="0" smtClean="0"/>
+          </a:p>
+          <a:p>
+            <a:r>
+              <a:rPr lang="ru-RU" dirty="0" smtClean="0"/>
+              <a:t>Безопасный режим</a:t>
+            </a:r>
+            <a:r>
+              <a:rPr lang="en-US" dirty="0" smtClean="0"/>
+              <a:t> (</a:t>
+            </a:r>
+            <a:r>
+              <a:rPr lang="ru-RU" dirty="0" smtClean="0"/>
+              <a:t>отключает все расширения</a:t>
+            </a:r>
+            <a:r>
+              <a:rPr lang="en-US" dirty="0" smtClean="0"/>
+              <a:t>)</a:t>
+            </a:r>
+            <a:endParaRPr lang="ru-RU" dirty="0" smtClean="0"/>
+          </a:p>
+          <a:p>
+            <a:pPr lvl="1"/>
+            <a:r>
+              <a:rPr lang="en-US" dirty="0" smtClean="0"/>
+              <a:t>Devenv.exe </a:t>
+            </a:r>
+            <a:r>
+              <a:rPr lang="en-US" dirty="0"/>
+              <a:t>/</a:t>
+            </a:r>
+            <a:r>
+              <a:rPr lang="en-US" dirty="0" err="1"/>
+              <a:t>SafeMode</a:t>
+            </a:r>
+            <a:endParaRPr lang="en-US" dirty="0"/>
+          </a:p>
+          <a:p>
+            <a:pPr lvl="1"/>
+            <a:endParaRPr lang="en-US" dirty="0" smtClean="0"/>
+          </a:p>
+          <a:p>
+            <a:endParaRPr lang="en-US" dirty="0"/>
+          </a:p>
+        </p:txBody>
+      </p:sp>
+    </p:spTree>
+    <p:extLst>
+      <p:ext uri="{BB962C8B-B14F-4D97-AF65-F5344CB8AC3E}">
+        <p14:creationId xmlns:p14="http://schemas.microsoft.com/office/powerpoint/2010/main" val="1235442158"/>
       </p:ext>
     </p:extLst>
   </p:cSld>
@@ -5569,4 +6168,47 @@
   <a:objectDefaults/>
   <a:extraClrSchemeLst/>
 </a:theme>
+</file>
+
+<file path=ppt/theme/themeOverride1.xml><?xml version="1.0" encoding="utf-8"?>
+<a:themeOverride xmlns:a="http://schemas.openxmlformats.org/drawingml/2006/main">
+  <a:clrScheme name="White-On-Blue">
+    <a:dk1>
+      <a:srgbClr val="FFFFFF"/>
+    </a:dk1>
+    <a:lt1>
+      <a:sysClr val="window" lastClr="FFFFFF"/>
+    </a:lt1>
+    <a:dk2>
+      <a:srgbClr val="FFFFFF"/>
+    </a:dk2>
+    <a:lt2>
+      <a:srgbClr val="FFFFFF"/>
+    </a:lt2>
+    <a:accent1>
+      <a:srgbClr val="FFFFFF"/>
+    </a:accent1>
+    <a:accent2>
+      <a:srgbClr val="FFFFFF"/>
+    </a:accent2>
+    <a:accent3>
+      <a:srgbClr val="FFFFFF"/>
+    </a:accent3>
+    <a:accent4>
+      <a:srgbClr val="FFFFFF"/>
+    </a:accent4>
+    <a:accent5>
+      <a:srgbClr val="FFFFFF"/>
+    </a:accent5>
+    <a:accent6>
+      <a:srgbClr val="FFFFFF"/>
+    </a:accent6>
+    <a:hlink>
+      <a:srgbClr val="FFFFFF"/>
+    </a:hlink>
+    <a:folHlink>
+      <a:srgbClr val="FFFFFF"/>
+    </a:folHlink>
+  </a:clrScheme>
+</a:themeOverride>
 </file>